--- a/Cyber Ravage.pptx
+++ b/Cyber Ravage.pptx
@@ -7,17 +7,16 @@
   <p:sldIdLst>
     <p:sldId id="256" r:id="rId2"/>
     <p:sldId id="257" r:id="rId3"/>
-    <p:sldId id="258" r:id="rId4"/>
-    <p:sldId id="259" r:id="rId5"/>
+    <p:sldId id="259" r:id="rId4"/>
+    <p:sldId id="270" r:id="rId5"/>
     <p:sldId id="268" r:id="rId6"/>
     <p:sldId id="260" r:id="rId7"/>
-    <p:sldId id="261" r:id="rId8"/>
-    <p:sldId id="262" r:id="rId9"/>
-    <p:sldId id="263" r:id="rId10"/>
-    <p:sldId id="265" r:id="rId11"/>
-    <p:sldId id="266" r:id="rId12"/>
-    <p:sldId id="267" r:id="rId13"/>
-    <p:sldId id="269" r:id="rId14"/>
+    <p:sldId id="262" r:id="rId8"/>
+    <p:sldId id="263" r:id="rId9"/>
+    <p:sldId id="265" r:id="rId10"/>
+    <p:sldId id="266" r:id="rId11"/>
+    <p:sldId id="267" r:id="rId12"/>
+    <p:sldId id="269" r:id="rId13"/>
   </p:sldIdLst>
   <p:sldSz cx="9144000" cy="6858000" type="screen4x3"/>
   <p:notesSz cx="6858000" cy="9144000"/>
@@ -315,7 +314,7 @@
             <a:fld id="{E85DCD3D-7E6D-429E-A86F-4A7D6CF52399}" type="datetimeFigureOut">
               <a:rPr lang="ru-RU" smtClean="0"/>
               <a:pPr/>
-              <a:t>24.04.2025</a:t>
+              <a:t>25.04.2025</a:t>
             </a:fld>
             <a:endParaRPr lang="ru-RU"/>
           </a:p>
@@ -480,7 +479,7 @@
             <a:fld id="{E85DCD3D-7E6D-429E-A86F-4A7D6CF52399}" type="datetimeFigureOut">
               <a:rPr lang="ru-RU" smtClean="0"/>
               <a:pPr/>
-              <a:t>24.04.2025</a:t>
+              <a:t>25.04.2025</a:t>
             </a:fld>
             <a:endParaRPr lang="ru-RU"/>
           </a:p>
@@ -655,7 +654,7 @@
             <a:fld id="{E85DCD3D-7E6D-429E-A86F-4A7D6CF52399}" type="datetimeFigureOut">
               <a:rPr lang="ru-RU" smtClean="0"/>
               <a:pPr/>
-              <a:t>24.04.2025</a:t>
+              <a:t>25.04.2025</a:t>
             </a:fld>
             <a:endParaRPr lang="ru-RU"/>
           </a:p>
@@ -820,7 +819,7 @@
             <a:fld id="{E85DCD3D-7E6D-429E-A86F-4A7D6CF52399}" type="datetimeFigureOut">
               <a:rPr lang="ru-RU" smtClean="0"/>
               <a:pPr/>
-              <a:t>24.04.2025</a:t>
+              <a:t>25.04.2025</a:t>
             </a:fld>
             <a:endParaRPr lang="ru-RU"/>
           </a:p>
@@ -1062,7 +1061,7 @@
             <a:fld id="{E85DCD3D-7E6D-429E-A86F-4A7D6CF52399}" type="datetimeFigureOut">
               <a:rPr lang="ru-RU" smtClean="0"/>
               <a:pPr/>
-              <a:t>24.04.2025</a:t>
+              <a:t>25.04.2025</a:t>
             </a:fld>
             <a:endParaRPr lang="ru-RU"/>
           </a:p>
@@ -1344,7 +1343,7 @@
             <a:fld id="{E85DCD3D-7E6D-429E-A86F-4A7D6CF52399}" type="datetimeFigureOut">
               <a:rPr lang="ru-RU" smtClean="0"/>
               <a:pPr/>
-              <a:t>24.04.2025</a:t>
+              <a:t>25.04.2025</a:t>
             </a:fld>
             <a:endParaRPr lang="ru-RU"/>
           </a:p>
@@ -1760,7 +1759,7 @@
             <a:fld id="{E85DCD3D-7E6D-429E-A86F-4A7D6CF52399}" type="datetimeFigureOut">
               <a:rPr lang="ru-RU" smtClean="0"/>
               <a:pPr/>
-              <a:t>24.04.2025</a:t>
+              <a:t>25.04.2025</a:t>
             </a:fld>
             <a:endParaRPr lang="ru-RU"/>
           </a:p>
@@ -1874,7 +1873,7 @@
             <a:fld id="{E85DCD3D-7E6D-429E-A86F-4A7D6CF52399}" type="datetimeFigureOut">
               <a:rPr lang="ru-RU" smtClean="0"/>
               <a:pPr/>
-              <a:t>24.04.2025</a:t>
+              <a:t>25.04.2025</a:t>
             </a:fld>
             <a:endParaRPr lang="ru-RU"/>
           </a:p>
@@ -1966,7 +1965,7 @@
             <a:fld id="{E85DCD3D-7E6D-429E-A86F-4A7D6CF52399}" type="datetimeFigureOut">
               <a:rPr lang="ru-RU" smtClean="0"/>
               <a:pPr/>
-              <a:t>24.04.2025</a:t>
+              <a:t>25.04.2025</a:t>
             </a:fld>
             <a:endParaRPr lang="ru-RU"/>
           </a:p>
@@ -2238,7 +2237,7 @@
             <a:fld id="{E85DCD3D-7E6D-429E-A86F-4A7D6CF52399}" type="datetimeFigureOut">
               <a:rPr lang="ru-RU" smtClean="0"/>
               <a:pPr/>
-              <a:t>24.04.2025</a:t>
+              <a:t>25.04.2025</a:t>
             </a:fld>
             <a:endParaRPr lang="ru-RU"/>
           </a:p>
@@ -2487,7 +2486,7 @@
             <a:fld id="{E85DCD3D-7E6D-429E-A86F-4A7D6CF52399}" type="datetimeFigureOut">
               <a:rPr lang="ru-RU" smtClean="0"/>
               <a:pPr/>
-              <a:t>24.04.2025</a:t>
+              <a:t>25.04.2025</a:t>
             </a:fld>
             <a:endParaRPr lang="ru-RU"/>
           </a:p>
@@ -2695,7 +2694,7 @@
             <a:fld id="{E85DCD3D-7E6D-429E-A86F-4A7D6CF52399}" type="datetimeFigureOut">
               <a:rPr lang="ru-RU" smtClean="0"/>
               <a:pPr/>
-              <a:t>24.04.2025</a:t>
+              <a:t>25.04.2025</a:t>
             </a:fld>
             <a:endParaRPr lang="ru-RU"/>
           </a:p>
@@ -3256,15 +3255,15 @@
         </p:nvSpPr>
         <p:spPr>
           <a:xfrm>
-            <a:off x="755576" y="2400716"/>
-            <a:ext cx="3600400" cy="1143000"/>
+            <a:off x="611560" y="404664"/>
+            <a:ext cx="3240360" cy="1012974"/>
           </a:xfrm>
           <a:prstGeom prst="roundRect">
             <a:avLst/>
           </a:prstGeom>
           <a:solidFill>
             <a:schemeClr val="bg1">
-              <a:alpha val="72000"/>
+              <a:alpha val="54000"/>
             </a:schemeClr>
           </a:solidFill>
         </p:spPr>
@@ -3277,17 +3276,48 @@
                 <a:latin typeface="Times New Roman" pitchFamily="18" charset="0"/>
                 <a:cs typeface="Times New Roman" pitchFamily="18" charset="0"/>
               </a:rPr>
-              <a:t>Прыжок</a:t>
+              <a:t>Атака</a:t>
             </a:r>
           </a:p>
         </p:txBody>
       </p:sp>
       <p:pic>
         <p:nvPicPr>
-          <p:cNvPr id="4" name="Рисунок 3">
+          <p:cNvPr id="2050" name="Picture 2" descr="C:\Users\TEMP.LAPTOP-S6CGT9HB\Downloads\Снимок5.PNG"/>
+          <p:cNvPicPr>
+            <a:picLocks noChangeAspect="1" noChangeArrowheads="1"/>
+          </p:cNvPicPr>
+          <p:nvPr/>
+        </p:nvPicPr>
+        <p:blipFill>
+          <a:blip r:embed="rId2" cstate="print"/>
+          <a:srcRect/>
+          <a:stretch>
+            <a:fillRect/>
+          </a:stretch>
+        </p:blipFill>
+        <p:spPr bwMode="auto">
+          <a:xfrm>
+            <a:off x="4716016" y="692696"/>
+            <a:ext cx="3924300" cy="2219325"/>
+          </a:xfrm>
+          <a:prstGeom prst="rect">
+            <a:avLst/>
+          </a:prstGeom>
+          <a:noFill/>
+          <a:ln w="28575">
+            <a:solidFill>
+              <a:schemeClr val="bg1"/>
+            </a:solidFill>
+          </a:ln>
+        </p:spPr>
+      </p:pic>
+      <p:pic>
+        <p:nvPicPr>
+          <p:cNvPr id="5" name="Рисунок 4">
             <a:extLst>
               <a:ext uri="{FF2B5EF4-FFF2-40B4-BE49-F238E27FC236}">
-                <a16:creationId xmlns:a16="http://schemas.microsoft.com/office/drawing/2014/main" id="{066B1CD7-56E2-E36A-659F-53F3462A44D2}"/>
+                <a16:creationId xmlns:a16="http://schemas.microsoft.com/office/drawing/2014/main" id="{1A3C54EF-296E-831B-1A3C-159CD2F952D2}"/>
               </a:ext>
             </a:extLst>
           </p:cNvPr>
@@ -3297,7 +3327,7 @@
           <p:nvPr/>
         </p:nvPicPr>
         <p:blipFill>
-          <a:blip r:embed="rId2">
+          <a:blip r:embed="rId3">
             <a:extLst>
               <a:ext uri="{28A0092B-C50C-407E-A947-70E740481C1C}">
                 <a14:useLocalDpi xmlns:a14="http://schemas.microsoft.com/office/drawing/2010/main" val="0"/>
@@ -3310,8 +3340,8 @@
         </p:blipFill>
         <p:spPr>
           <a:xfrm>
-            <a:off x="5364088" y="698862"/>
-            <a:ext cx="3276600" cy="5810250"/>
+            <a:off x="1331640" y="3861048"/>
+            <a:ext cx="4785606" cy="2219325"/>
           </a:xfrm>
           <a:prstGeom prst="rect">
             <a:avLst/>
@@ -3371,15 +3401,15 @@
         </p:nvSpPr>
         <p:spPr>
           <a:xfrm>
-            <a:off x="611560" y="404664"/>
-            <a:ext cx="3240360" cy="1012974"/>
+            <a:off x="827584" y="404664"/>
+            <a:ext cx="3960440" cy="1012974"/>
           </a:xfrm>
           <a:prstGeom prst="roundRect">
             <a:avLst/>
           </a:prstGeom>
           <a:solidFill>
             <a:schemeClr val="bg1">
-              <a:alpha val="54000"/>
+              <a:alpha val="49000"/>
             </a:schemeClr>
           </a:solidFill>
         </p:spPr>
@@ -3392,48 +3422,17 @@
                 <a:latin typeface="Times New Roman" pitchFamily="18" charset="0"/>
                 <a:cs typeface="Times New Roman" pitchFamily="18" charset="0"/>
               </a:rPr>
-              <a:t>Атака</a:t>
+              <a:t>Поражение</a:t>
             </a:r>
           </a:p>
         </p:txBody>
       </p:sp>
       <p:pic>
         <p:nvPicPr>
-          <p:cNvPr id="2050" name="Picture 2" descr="C:\Users\TEMP.LAPTOP-S6CGT9HB\Downloads\Снимок5.PNG"/>
-          <p:cNvPicPr>
-            <a:picLocks noChangeAspect="1" noChangeArrowheads="1"/>
-          </p:cNvPicPr>
-          <p:nvPr/>
-        </p:nvPicPr>
-        <p:blipFill>
-          <a:blip r:embed="rId2" cstate="print"/>
-          <a:srcRect/>
-          <a:stretch>
-            <a:fillRect/>
-          </a:stretch>
-        </p:blipFill>
-        <p:spPr bwMode="auto">
-          <a:xfrm>
-            <a:off x="4716016" y="692696"/>
-            <a:ext cx="3924300" cy="2219325"/>
-          </a:xfrm>
-          <a:prstGeom prst="rect">
-            <a:avLst/>
-          </a:prstGeom>
-          <a:noFill/>
-          <a:ln w="28575">
-            <a:solidFill>
-              <a:schemeClr val="bg1"/>
-            </a:solidFill>
-          </a:ln>
-        </p:spPr>
-      </p:pic>
-      <p:pic>
-        <p:nvPicPr>
-          <p:cNvPr id="5" name="Рисунок 4">
+          <p:cNvPr id="8" name="Рисунок 7">
             <a:extLst>
               <a:ext uri="{FF2B5EF4-FFF2-40B4-BE49-F238E27FC236}">
-                <a16:creationId xmlns:a16="http://schemas.microsoft.com/office/drawing/2014/main" id="{1A3C54EF-296E-831B-1A3C-159CD2F952D2}"/>
+                <a16:creationId xmlns:a16="http://schemas.microsoft.com/office/drawing/2014/main" id="{9C8D94AF-896D-06D2-5685-E68F0D37BB5F}"/>
               </a:ext>
             </a:extLst>
           </p:cNvPr>
@@ -3443,7 +3442,7 @@
           <p:nvPr/>
         </p:nvPicPr>
         <p:blipFill>
-          <a:blip r:embed="rId3">
+          <a:blip r:embed="rId2">
             <a:extLst>
               <a:ext uri="{28A0092B-C50C-407E-A947-70E740481C1C}">
                 <a14:useLocalDpi xmlns:a14="http://schemas.microsoft.com/office/drawing/2010/main" val="0"/>
@@ -3456,13 +3455,13 @@
         </p:blipFill>
         <p:spPr>
           <a:xfrm>
-            <a:off x="1331640" y="3861048"/>
-            <a:ext cx="4785606" cy="2219325"/>
+            <a:off x="1594864" y="3140968"/>
+            <a:ext cx="5954272" cy="3088779"/>
           </a:xfrm>
           <a:prstGeom prst="rect">
             <a:avLst/>
           </a:prstGeom>
-          <a:ln w="28575">
+          <a:ln w="38100">
             <a:solidFill>
               <a:schemeClr val="bg1"/>
             </a:solidFill>
@@ -3517,121 +3516,6 @@
         </p:nvSpPr>
         <p:spPr>
           <a:xfrm>
-            <a:off x="827584" y="404664"/>
-            <a:ext cx="3960440" cy="1012974"/>
-          </a:xfrm>
-          <a:prstGeom prst="roundRect">
-            <a:avLst/>
-          </a:prstGeom>
-          <a:solidFill>
-            <a:schemeClr val="bg1">
-              <a:alpha val="49000"/>
-            </a:schemeClr>
-          </a:solidFill>
-        </p:spPr>
-        <p:txBody>
-          <a:bodyPr/>
-          <a:lstStyle/>
-          <a:p>
-            <a:r>
-              <a:rPr lang="ru-RU" dirty="0">
-                <a:latin typeface="Times New Roman" pitchFamily="18" charset="0"/>
-                <a:cs typeface="Times New Roman" pitchFamily="18" charset="0"/>
-              </a:rPr>
-              <a:t>Поражение</a:t>
-            </a:r>
-          </a:p>
-        </p:txBody>
-      </p:sp>
-      <p:pic>
-        <p:nvPicPr>
-          <p:cNvPr id="8" name="Рисунок 7">
-            <a:extLst>
-              <a:ext uri="{FF2B5EF4-FFF2-40B4-BE49-F238E27FC236}">
-                <a16:creationId xmlns:a16="http://schemas.microsoft.com/office/drawing/2014/main" id="{9C8D94AF-896D-06D2-5685-E68F0D37BB5F}"/>
-              </a:ext>
-            </a:extLst>
-          </p:cNvPr>
-          <p:cNvPicPr>
-            <a:picLocks noChangeAspect="1"/>
-          </p:cNvPicPr>
-          <p:nvPr/>
-        </p:nvPicPr>
-        <p:blipFill>
-          <a:blip r:embed="rId2">
-            <a:extLst>
-              <a:ext uri="{28A0092B-C50C-407E-A947-70E740481C1C}">
-                <a14:useLocalDpi xmlns:a14="http://schemas.microsoft.com/office/drawing/2010/main" val="0"/>
-              </a:ext>
-            </a:extLst>
-          </a:blip>
-          <a:stretch>
-            <a:fillRect/>
-          </a:stretch>
-        </p:blipFill>
-        <p:spPr>
-          <a:xfrm>
-            <a:off x="1594864" y="3140968"/>
-            <a:ext cx="5954272" cy="3088779"/>
-          </a:xfrm>
-          <a:prstGeom prst="rect">
-            <a:avLst/>
-          </a:prstGeom>
-          <a:ln w="38100">
-            <a:solidFill>
-              <a:schemeClr val="bg1"/>
-            </a:solidFill>
-          </a:ln>
-        </p:spPr>
-      </p:pic>
-    </p:spTree>
-  </p:cSld>
-  <p:clrMapOvr>
-    <a:masterClrMapping/>
-  </p:clrMapOvr>
-</p:sld>
-</file>
-
-<file path=ppt/slides/slide13.xml><?xml version="1.0" encoding="utf-8"?>
-<p:sld xmlns:a="http://schemas.openxmlformats.org/drawingml/2006/main" xmlns:r="http://schemas.openxmlformats.org/officeDocument/2006/relationships" xmlns:p="http://schemas.openxmlformats.org/presentationml/2006/main">
-  <p:cSld>
-    <p:bg>
-      <p:bgPr>
-        <a:solidFill>
-          <a:schemeClr val="accent6">
-            <a:lumMod val="40000"/>
-            <a:lumOff val="60000"/>
-          </a:schemeClr>
-        </a:solidFill>
-        <a:effectLst/>
-      </p:bgPr>
-    </p:bg>
-    <p:spTree>
-      <p:nvGrpSpPr>
-        <p:cNvPr id="1" name=""/>
-        <p:cNvGrpSpPr/>
-        <p:nvPr/>
-      </p:nvGrpSpPr>
-      <p:grpSpPr>
-        <a:xfrm>
-          <a:off x="0" y="0"/>
-          <a:ext cx="0" cy="0"/>
-          <a:chOff x="0" y="0"/>
-          <a:chExt cx="0" cy="0"/>
-        </a:xfrm>
-      </p:grpSpPr>
-      <p:sp>
-        <p:nvSpPr>
-          <p:cNvPr id="2" name="Заголовок 1"/>
-          <p:cNvSpPr>
-            <a:spLocks noGrp="1"/>
-          </p:cNvSpPr>
-          <p:nvPr>
-            <p:ph type="title"/>
-          </p:nvPr>
-        </p:nvSpPr>
-        <p:spPr>
-          <a:xfrm>
             <a:off x="2915816" y="404664"/>
             <a:ext cx="3322712" cy="1012974"/>
           </a:xfrm>
@@ -3863,7 +3747,7 @@
         </p:nvSpPr>
         <p:spPr>
           <a:xfrm>
-            <a:off x="323528" y="908720"/>
+            <a:off x="179512" y="178071"/>
             <a:ext cx="4186808" cy="868958"/>
           </a:xfrm>
           <a:prstGeom prst="roundRect">
@@ -3906,7 +3790,7 @@
         </p:blipFill>
         <p:spPr bwMode="auto">
           <a:xfrm>
-            <a:off x="5220072" y="332656"/>
+            <a:off x="5004048" y="440792"/>
             <a:ext cx="2736304" cy="3187554"/>
           </a:xfrm>
           <a:prstGeom prst="rect">
@@ -3948,7 +3832,7 @@
         </p:blipFill>
         <p:spPr>
           <a:xfrm>
-            <a:off x="827584" y="2780928"/>
+            <a:off x="440362" y="1835223"/>
             <a:ext cx="2952328" cy="2952328"/>
           </a:xfrm>
           <a:prstGeom prst="rect">
@@ -3989,13 +3873,50 @@
         </p:blipFill>
         <p:spPr>
           <a:xfrm>
-            <a:off x="4698033" y="4077072"/>
+            <a:off x="5379719" y="4077072"/>
             <a:ext cx="3505199" cy="2614612"/>
           </a:xfrm>
           <a:prstGeom prst="rect">
             <a:avLst/>
           </a:prstGeom>
           <a:ln w="44450">
+            <a:solidFill>
+              <a:schemeClr val="bg1"/>
+            </a:solidFill>
+          </a:ln>
+        </p:spPr>
+      </p:pic>
+      <p:pic>
+        <p:nvPicPr>
+          <p:cNvPr id="3" name="Picture 7" descr="C:\Users\TEMP.LAPTOP-S6CGT9HB\Downloads\Снимок.PNG">
+            <a:extLst>
+              <a:ext uri="{FF2B5EF4-FFF2-40B4-BE49-F238E27FC236}">
+                <a16:creationId xmlns:a16="http://schemas.microsoft.com/office/drawing/2014/main" id="{A402E099-298E-4BF0-F311-7B34A8FA2F1E}"/>
+              </a:ext>
+            </a:extLst>
+          </p:cNvPr>
+          <p:cNvPicPr>
+            <a:picLocks noChangeAspect="1" noChangeArrowheads="1"/>
+          </p:cNvPicPr>
+          <p:nvPr/>
+        </p:nvPicPr>
+        <p:blipFill>
+          <a:blip r:embed="rId5" cstate="print"/>
+          <a:srcRect/>
+          <a:stretch>
+            <a:fillRect/>
+          </a:stretch>
+        </p:blipFill>
+        <p:spPr bwMode="auto">
+          <a:xfrm rot="19821300">
+            <a:off x="2454192" y="4959525"/>
+            <a:ext cx="2664297" cy="985425"/>
+          </a:xfrm>
+          <a:prstGeom prst="roundRect">
+            <a:avLst/>
+          </a:prstGeom>
+          <a:noFill/>
+          <a:ln w="19050">
             <a:solidFill>
               <a:schemeClr val="bg1"/>
             </a:solidFill>
@@ -4050,20 +3971,22 @@
         </p:nvSpPr>
         <p:spPr>
           <a:xfrm>
-            <a:off x="1043608" y="692696"/>
-            <a:ext cx="3888432" cy="1084982"/>
+            <a:off x="2915816" y="188640"/>
+            <a:ext cx="3178696" cy="720080"/>
           </a:xfrm>
           <a:prstGeom prst="roundRect">
             <a:avLst/>
           </a:prstGeom>
           <a:solidFill>
             <a:schemeClr val="bg1">
-              <a:alpha val="66000"/>
+              <a:alpha val="69000"/>
             </a:schemeClr>
           </a:solidFill>
         </p:spPr>
         <p:txBody>
-          <a:bodyPr/>
+          <a:bodyPr>
+            <a:normAutofit fontScale="90000"/>
+          </a:bodyPr>
           <a:lstStyle/>
           <a:p>
             <a:r>
@@ -4071,130 +3994,231 @@
                 <a:latin typeface="Times New Roman" pitchFamily="18" charset="0"/>
                 <a:cs typeface="Times New Roman" pitchFamily="18" charset="0"/>
               </a:rPr>
-              <a:t>Проект-игра</a:t>
-            </a:r>
-          </a:p>
-        </p:txBody>
-      </p:sp>
-      <p:pic>
-        <p:nvPicPr>
-          <p:cNvPr id="2055" name="Picture 7" descr="C:\Users\TEMP.LAPTOP-S6CGT9HB\Downloads\Снимок.PNG"/>
-          <p:cNvPicPr>
-            <a:picLocks noChangeAspect="1" noChangeArrowheads="1"/>
-          </p:cNvPicPr>
+              <a:t>Цель</a:t>
+            </a:r>
+          </a:p>
+        </p:txBody>
+      </p:sp>
+      <p:sp>
+        <p:nvSpPr>
+          <p:cNvPr id="4" name="Скругленный прямоугольник 3"/>
+          <p:cNvSpPr/>
           <p:nvPr/>
-        </p:nvPicPr>
-        <p:blipFill>
-          <a:blip r:embed="rId2" cstate="print"/>
-          <a:srcRect/>
-          <a:stretch>
-            <a:fillRect/>
-          </a:stretch>
-        </p:blipFill>
-        <p:spPr bwMode="auto">
-          <a:xfrm rot="19821300">
-            <a:off x="5403624" y="3989147"/>
-            <a:ext cx="2664297" cy="985425"/>
+        </p:nvSpPr>
+        <p:spPr>
+          <a:xfrm>
+            <a:off x="323528" y="1268760"/>
+            <a:ext cx="8424936" cy="919401"/>
           </a:xfrm>
           <a:prstGeom prst="roundRect">
             <a:avLst/>
           </a:prstGeom>
-          <a:noFill/>
-          <a:ln w="19050">
-            <a:solidFill>
-              <a:schemeClr val="bg1"/>
-            </a:solidFill>
-          </a:ln>
-        </p:spPr>
-      </p:pic>
-      <p:sp>
-        <p:nvSpPr>
-          <p:cNvPr id="5" name="Овал 4">
-            <a:extLst>
-              <a:ext uri="{FF2B5EF4-FFF2-40B4-BE49-F238E27FC236}">
-                <a16:creationId xmlns:a16="http://schemas.microsoft.com/office/drawing/2014/main" id="{0BFF7EF5-1934-FB9E-4FED-16168CE8D55E}"/>
-              </a:ext>
-            </a:extLst>
-          </p:cNvPr>
-          <p:cNvSpPr/>
+          <a:solidFill>
+            <a:schemeClr val="bg1">
+              <a:alpha val="61000"/>
+            </a:schemeClr>
+          </a:solidFill>
+        </p:spPr>
+        <p:txBody>
+          <a:bodyPr wrap="square">
+            <a:spAutoFit/>
+          </a:bodyPr>
+          <a:lstStyle/>
+          <a:p>
+            <a:r>
+              <a:rPr lang="ru-RU" sz="2400" dirty="0">
+                <a:latin typeface="Times New Roman" pitchFamily="18" charset="0"/>
+                <a:cs typeface="Times New Roman" pitchFamily="18" charset="0"/>
+              </a:rPr>
+              <a:t>Познакомиться с созданием игр, для лучшего освоения языка программирования </a:t>
+            </a:r>
+            <a:r>
+              <a:rPr lang="ru-RU" sz="2400" dirty="0" err="1">
+                <a:latin typeface="Times New Roman" pitchFamily="18" charset="0"/>
+                <a:cs typeface="Times New Roman" pitchFamily="18" charset="0"/>
+              </a:rPr>
+              <a:t>python</a:t>
+            </a:r>
+            <a:r>
+              <a:rPr lang="ru-RU" sz="2400" dirty="0">
+                <a:latin typeface="Times New Roman" pitchFamily="18" charset="0"/>
+                <a:cs typeface="Times New Roman" pitchFamily="18" charset="0"/>
+              </a:rPr>
+              <a:t> и работы с объектами.</a:t>
+            </a:r>
+          </a:p>
+        </p:txBody>
+      </p:sp>
+      <p:sp>
+        <p:nvSpPr>
+          <p:cNvPr id="6" name="Заголовок 1"/>
+          <p:cNvSpPr txBox="1">
+            <a:spLocks/>
+          </p:cNvSpPr>
           <p:nvPr/>
         </p:nvSpPr>
         <p:spPr>
           <a:xfrm>
-            <a:off x="1619672" y="3364005"/>
-            <a:ext cx="2174268" cy="2174268"/>
-          </a:xfrm>
-          <a:prstGeom prst="ellipse">
+            <a:off x="2915816" y="2564904"/>
+            <a:ext cx="3178696" cy="724942"/>
+          </a:xfrm>
+          <a:prstGeom prst="roundRect">
             <a:avLst/>
           </a:prstGeom>
           <a:solidFill>
-            <a:schemeClr val="bg1"/>
+            <a:schemeClr val="bg1">
+              <a:alpha val="69000"/>
+            </a:schemeClr>
           </a:solidFill>
-          <a:ln>
-            <a:noFill/>
-          </a:ln>
-        </p:spPr>
-        <p:style>
-          <a:lnRef idx="2">
-            <a:schemeClr val="accent1">
-              <a:shade val="15000"/>
-            </a:schemeClr>
-          </a:lnRef>
-          <a:fillRef idx="1">
-            <a:schemeClr val="accent1"/>
-          </a:fillRef>
-          <a:effectRef idx="0">
-            <a:schemeClr val="accent1"/>
-          </a:effectRef>
-          <a:fontRef idx="minor">
-            <a:schemeClr val="lt1"/>
-          </a:fontRef>
-        </p:style>
-        <p:txBody>
-          <a:bodyPr rtlCol="0" anchor="ctr"/>
-          <a:lstStyle/>
-          <a:p>
-            <a:pPr algn="ctr"/>
-            <a:endParaRPr lang="ru-RU"/>
-          </a:p>
-        </p:txBody>
-      </p:sp>
-      <p:pic>
-        <p:nvPicPr>
-          <p:cNvPr id="4" name="Рисунок 3">
-            <a:extLst>
-              <a:ext uri="{FF2B5EF4-FFF2-40B4-BE49-F238E27FC236}">
-                <a16:creationId xmlns:a16="http://schemas.microsoft.com/office/drawing/2014/main" id="{FC5037F3-2A87-DAC9-0716-43348423C38A}"/>
-              </a:ext>
-            </a:extLst>
-          </p:cNvPr>
-          <p:cNvPicPr>
-            <a:picLocks noChangeAspect="1"/>
-          </p:cNvPicPr>
+        </p:spPr>
+        <p:txBody>
+          <a:bodyPr vert="horz" lIns="91440" tIns="45720" rIns="91440" bIns="45720" rtlCol="0" anchor="ctr">
+            <a:normAutofit fontScale="90000" lnSpcReduction="10000"/>
+          </a:bodyPr>
+          <a:lstStyle/>
+          <a:p>
+            <a:pPr marL="0" marR="0" lvl="0" indent="0" algn="ctr" defTabSz="914400" rtl="0" eaLnBrk="1" fontAlgn="auto" latinLnBrk="0" hangingPunct="1">
+              <a:lnSpc>
+                <a:spcPct val="100000"/>
+              </a:lnSpc>
+              <a:spcBef>
+                <a:spcPct val="0"/>
+              </a:spcBef>
+              <a:spcAft>
+                <a:spcPts val="0"/>
+              </a:spcAft>
+              <a:buClrTx/>
+              <a:buSzTx/>
+              <a:buFontTx/>
+              <a:buNone/>
+              <a:tabLst/>
+              <a:defRPr/>
+            </a:pPr>
+            <a:r>
+              <a:rPr kumimoji="0" lang="ru-RU" sz="4400" b="0" i="0" u="none" strike="noStrike" kern="1200" cap="none" spc="0" normalizeH="0" baseline="0" noProof="0" dirty="0">
+                <a:ln>
+                  <a:noFill/>
+                </a:ln>
+                <a:solidFill>
+                  <a:schemeClr val="tx1"/>
+                </a:solidFill>
+                <a:effectLst/>
+                <a:uLnTx/>
+                <a:uFillTx/>
+                <a:latin typeface="Times New Roman" pitchFamily="18" charset="0"/>
+                <a:ea typeface="+mj-ea"/>
+                <a:cs typeface="Times New Roman" pitchFamily="18" charset="0"/>
+              </a:rPr>
+              <a:t>Задачи</a:t>
+            </a:r>
+          </a:p>
+        </p:txBody>
+      </p:sp>
+      <p:sp>
+        <p:nvSpPr>
+          <p:cNvPr id="7" name="Скругленный прямоугольник 6"/>
+          <p:cNvSpPr/>
           <p:nvPr/>
-        </p:nvPicPr>
-        <p:blipFill>
-          <a:blip r:embed="rId3" cstate="print">
-            <a:extLst>
-              <a:ext uri="{28A0092B-C50C-407E-A947-70E740481C1C}">
-                <a14:useLocalDpi xmlns:a14="http://schemas.microsoft.com/office/drawing/2010/main" val="0"/>
-              </a:ext>
-            </a:extLst>
-          </a:blip>
-          <a:stretch>
-            <a:fillRect/>
-          </a:stretch>
-        </p:blipFill>
-        <p:spPr>
-          <a:xfrm>
-            <a:off x="1676382" y="3420715"/>
-            <a:ext cx="2060848" cy="2060848"/>
-          </a:xfrm>
-          <a:prstGeom prst="rect">
+        </p:nvSpPr>
+        <p:spPr>
+          <a:xfrm>
+            <a:off x="1331640" y="3645024"/>
+            <a:ext cx="6480720" cy="2962513"/>
+          </a:xfrm>
+          <a:prstGeom prst="roundRect">
             <a:avLst/>
           </a:prstGeom>
-        </p:spPr>
-      </p:pic>
+          <a:solidFill>
+            <a:schemeClr val="bg1">
+              <a:alpha val="62000"/>
+            </a:schemeClr>
+          </a:solidFill>
+        </p:spPr>
+        <p:txBody>
+          <a:bodyPr wrap="square">
+            <a:spAutoFit/>
+          </a:bodyPr>
+          <a:lstStyle/>
+          <a:p>
+            <a:pPr>
+              <a:buFont typeface="Arial" pitchFamily="34" charset="0"/>
+              <a:buChar char="•"/>
+            </a:pPr>
+            <a:r>
+              <a:rPr lang="ru-RU" sz="2400" dirty="0">
+                <a:latin typeface="Times New Roman" pitchFamily="18" charset="0"/>
+                <a:cs typeface="Times New Roman" pitchFamily="18" charset="0"/>
+              </a:rPr>
+              <a:t>Определиться с библиотекой</a:t>
+            </a:r>
+          </a:p>
+          <a:p>
+            <a:pPr>
+              <a:buFont typeface="Arial" pitchFamily="34" charset="0"/>
+              <a:buChar char="•"/>
+            </a:pPr>
+            <a:r>
+              <a:rPr lang="ru-RU" sz="2400" dirty="0">
+                <a:latin typeface="Times New Roman" pitchFamily="18" charset="0"/>
+                <a:cs typeface="Times New Roman" pitchFamily="18" charset="0"/>
+              </a:rPr>
+              <a:t>Сделать концепцию (модель) игры</a:t>
+            </a:r>
+          </a:p>
+          <a:p>
+            <a:pPr>
+              <a:buFont typeface="Arial" pitchFamily="34" charset="0"/>
+              <a:buChar char="•"/>
+            </a:pPr>
+            <a:r>
+              <a:rPr lang="ru-RU" sz="2400" dirty="0">
+                <a:latin typeface="Times New Roman" pitchFamily="18" charset="0"/>
+                <a:cs typeface="Times New Roman" pitchFamily="18" charset="0"/>
+              </a:rPr>
+              <a:t>Написать сюжет</a:t>
+            </a:r>
+          </a:p>
+          <a:p>
+            <a:pPr>
+              <a:buFont typeface="Arial" pitchFamily="34" charset="0"/>
+              <a:buChar char="•"/>
+            </a:pPr>
+            <a:r>
+              <a:rPr lang="ru-RU" sz="2400" dirty="0">
+                <a:latin typeface="Times New Roman" pitchFamily="18" charset="0"/>
+                <a:cs typeface="Times New Roman" pitchFamily="18" charset="0"/>
+              </a:rPr>
+              <a:t>Найти картинки (спрайты), нарисовать анимации</a:t>
+            </a:r>
+          </a:p>
+          <a:p>
+            <a:pPr>
+              <a:buFont typeface="Arial" pitchFamily="34" charset="0"/>
+              <a:buChar char="•"/>
+            </a:pPr>
+            <a:r>
+              <a:rPr lang="ru-RU" sz="2400" dirty="0">
+                <a:latin typeface="Times New Roman" pitchFamily="18" charset="0"/>
+                <a:cs typeface="Times New Roman" pitchFamily="18" charset="0"/>
+              </a:rPr>
+              <a:t>Начать делать проект, изучив библиотеку</a:t>
+            </a:r>
+          </a:p>
+          <a:p>
+            <a:pPr>
+              <a:buFont typeface="Arial" pitchFamily="34" charset="0"/>
+              <a:buChar char="•"/>
+            </a:pPr>
+            <a:r>
+              <a:rPr lang="ru-RU" sz="2400" dirty="0">
+                <a:latin typeface="Times New Roman" pitchFamily="18" charset="0"/>
+                <a:cs typeface="Times New Roman" pitchFamily="18" charset="0"/>
+              </a:rPr>
+              <a:t>Тестирование и отладка проекта</a:t>
+            </a:r>
+          </a:p>
+        </p:txBody>
+      </p:sp>
     </p:spTree>
   </p:cSld>
   <p:clrMapOvr>
@@ -4233,7 +4257,13 @@
       </p:grpSpPr>
       <p:sp>
         <p:nvSpPr>
-          <p:cNvPr id="2" name="Заголовок 1"/>
+          <p:cNvPr id="2" name="Заголовок 1">
+            <a:extLst>
+              <a:ext uri="{FF2B5EF4-FFF2-40B4-BE49-F238E27FC236}">
+                <a16:creationId xmlns:a16="http://schemas.microsoft.com/office/drawing/2014/main" id="{30660BFD-CD85-4589-D1F0-5CFEB76C2C7D}"/>
+              </a:ext>
+            </a:extLst>
+          </p:cNvPr>
           <p:cNvSpPr>
             <a:spLocks noGrp="1"/>
           </p:cNvSpPr>
@@ -4243,255 +4273,72 @@
         </p:nvSpPr>
         <p:spPr>
           <a:xfrm>
-            <a:off x="2915816" y="188640"/>
-            <a:ext cx="3178696" cy="720080"/>
+            <a:off x="3198676" y="188640"/>
+            <a:ext cx="2746648" cy="1156990"/>
           </a:xfrm>
           <a:prstGeom prst="roundRect">
             <a:avLst/>
           </a:prstGeom>
           <a:solidFill>
             <a:schemeClr val="bg1">
-              <a:alpha val="69000"/>
+              <a:alpha val="67000"/>
             </a:schemeClr>
           </a:solidFill>
         </p:spPr>
         <p:txBody>
-          <a:bodyPr>
-            <a:normAutofit fontScale="90000"/>
-          </a:bodyPr>
-          <a:lstStyle/>
-          <a:p>
-            <a:r>
-              <a:rPr lang="ru-RU" dirty="0">
-                <a:latin typeface="Times New Roman" pitchFamily="18" charset="0"/>
-                <a:cs typeface="Times New Roman" pitchFamily="18" charset="0"/>
-              </a:rPr>
-              <a:t>Цель</a:t>
-            </a:r>
-          </a:p>
-        </p:txBody>
-      </p:sp>
-      <p:sp>
-        <p:nvSpPr>
-          <p:cNvPr id="4" name="Скругленный прямоугольник 3"/>
-          <p:cNvSpPr/>
+          <a:bodyPr/>
+          <a:lstStyle/>
+          <a:p>
+            <a:r>
+              <a:rPr lang="en-US" dirty="0"/>
+              <a:t>Pygame</a:t>
+            </a:r>
+            <a:endParaRPr lang="ru-RU" dirty="0"/>
+          </a:p>
+        </p:txBody>
+      </p:sp>
+      <p:pic>
+        <p:nvPicPr>
+          <p:cNvPr id="5" name="Рисунок 4">
+            <a:extLst>
+              <a:ext uri="{FF2B5EF4-FFF2-40B4-BE49-F238E27FC236}">
+                <a16:creationId xmlns:a16="http://schemas.microsoft.com/office/drawing/2014/main" id="{35401D0F-9832-67E7-F8B1-2E011FF3B04B}"/>
+              </a:ext>
+            </a:extLst>
+          </p:cNvPr>
+          <p:cNvPicPr>
+            <a:picLocks noChangeAspect="1"/>
+          </p:cNvPicPr>
           <p:nvPr/>
-        </p:nvSpPr>
-        <p:spPr>
-          <a:xfrm>
-            <a:off x="323528" y="1268760"/>
-            <a:ext cx="8424936" cy="919401"/>
-          </a:xfrm>
-          <a:prstGeom prst="roundRect">
+        </p:nvPicPr>
+        <p:blipFill>
+          <a:blip r:embed="rId2">
+            <a:extLst>
+              <a:ext uri="{28A0092B-C50C-407E-A947-70E740481C1C}">
+                <a14:useLocalDpi xmlns:a14="http://schemas.microsoft.com/office/drawing/2010/main" val="0"/>
+              </a:ext>
+            </a:extLst>
+          </a:blip>
+          <a:stretch>
+            <a:fillRect/>
+          </a:stretch>
+        </p:blipFill>
+        <p:spPr>
+          <a:xfrm rot="20449665">
+            <a:off x="1508787" y="2567470"/>
+            <a:ext cx="6126425" cy="1723057"/>
+          </a:xfrm>
+          <a:prstGeom prst="rect">
             <a:avLst/>
           </a:prstGeom>
-          <a:solidFill>
-            <a:schemeClr val="bg1">
-              <a:alpha val="61000"/>
-            </a:schemeClr>
-          </a:solidFill>
-        </p:spPr>
-        <p:txBody>
-          <a:bodyPr wrap="square">
-            <a:spAutoFit/>
-          </a:bodyPr>
-          <a:lstStyle/>
-          <a:p>
-            <a:r>
-              <a:rPr lang="ru-RU" sz="2400" dirty="0">
-                <a:latin typeface="Times New Roman" pitchFamily="18" charset="0"/>
-                <a:cs typeface="Times New Roman" pitchFamily="18" charset="0"/>
-              </a:rPr>
-              <a:t>Познакомиться с созданием игр, для лучшего освоения языка программирования </a:t>
-            </a:r>
-            <a:r>
-              <a:rPr lang="ru-RU" sz="2400" dirty="0" err="1">
-                <a:latin typeface="Times New Roman" pitchFamily="18" charset="0"/>
-                <a:cs typeface="Times New Roman" pitchFamily="18" charset="0"/>
-              </a:rPr>
-              <a:t>python</a:t>
-            </a:r>
-            <a:r>
-              <a:rPr lang="ru-RU" sz="2400" dirty="0">
-                <a:latin typeface="Times New Roman" pitchFamily="18" charset="0"/>
-                <a:cs typeface="Times New Roman" pitchFamily="18" charset="0"/>
-              </a:rPr>
-              <a:t> и работы с объектами.</a:t>
-            </a:r>
-          </a:p>
-        </p:txBody>
-      </p:sp>
-      <p:sp>
-        <p:nvSpPr>
-          <p:cNvPr id="6" name="Заголовок 1"/>
-          <p:cNvSpPr txBox="1">
-            <a:spLocks/>
-          </p:cNvSpPr>
-          <p:nvPr/>
-        </p:nvSpPr>
-        <p:spPr>
-          <a:xfrm>
-            <a:off x="2915816" y="2564904"/>
-            <a:ext cx="3178696" cy="724942"/>
-          </a:xfrm>
-          <a:prstGeom prst="roundRect">
-            <a:avLst/>
-          </a:prstGeom>
-          <a:solidFill>
-            <a:schemeClr val="bg1">
-              <a:alpha val="69000"/>
-            </a:schemeClr>
-          </a:solidFill>
-        </p:spPr>
-        <p:txBody>
-          <a:bodyPr vert="horz" lIns="91440" tIns="45720" rIns="91440" bIns="45720" rtlCol="0" anchor="ctr">
-            <a:normAutofit fontScale="90000" lnSpcReduction="10000"/>
-          </a:bodyPr>
-          <a:lstStyle/>
-          <a:p>
-            <a:pPr marL="0" marR="0" lvl="0" indent="0" algn="ctr" defTabSz="914400" rtl="0" eaLnBrk="1" fontAlgn="auto" latinLnBrk="0" hangingPunct="1">
-              <a:lnSpc>
-                <a:spcPct val="100000"/>
-              </a:lnSpc>
-              <a:spcBef>
-                <a:spcPct val="0"/>
-              </a:spcBef>
-              <a:spcAft>
-                <a:spcPts val="0"/>
-              </a:spcAft>
-              <a:buClrTx/>
-              <a:buSzTx/>
-              <a:buFontTx/>
-              <a:buNone/>
-              <a:tabLst/>
-              <a:defRPr/>
-            </a:pPr>
-            <a:r>
-              <a:rPr kumimoji="0" lang="ru-RU" sz="4400" b="0" i="0" u="none" strike="noStrike" kern="1200" cap="none" spc="0" normalizeH="0" baseline="0" noProof="0" dirty="0">
-                <a:ln>
-                  <a:noFill/>
-                </a:ln>
-                <a:solidFill>
-                  <a:schemeClr val="tx1"/>
-                </a:solidFill>
-                <a:effectLst/>
-                <a:uLnTx/>
-                <a:uFillTx/>
-                <a:latin typeface="Times New Roman" pitchFamily="18" charset="0"/>
-                <a:ea typeface="+mj-ea"/>
-                <a:cs typeface="Times New Roman" pitchFamily="18" charset="0"/>
-              </a:rPr>
-              <a:t>Задачи</a:t>
-            </a:r>
-          </a:p>
-        </p:txBody>
-      </p:sp>
-      <p:sp>
-        <p:nvSpPr>
-          <p:cNvPr id="7" name="Скругленный прямоугольник 6"/>
-          <p:cNvSpPr/>
-          <p:nvPr/>
-        </p:nvSpPr>
-        <p:spPr>
-          <a:xfrm>
-            <a:off x="1331640" y="3645024"/>
-            <a:ext cx="6480720" cy="2962513"/>
-          </a:xfrm>
-          <a:prstGeom prst="roundRect">
-            <a:avLst/>
-          </a:prstGeom>
-          <a:solidFill>
-            <a:schemeClr val="bg1">
-              <a:alpha val="62000"/>
-            </a:schemeClr>
-          </a:solidFill>
-        </p:spPr>
-        <p:txBody>
-          <a:bodyPr wrap="square">
-            <a:spAutoFit/>
-          </a:bodyPr>
-          <a:lstStyle/>
-          <a:p>
-            <a:pPr>
-              <a:buFont typeface="Arial" pitchFamily="34" charset="0"/>
-              <a:buChar char="•"/>
-            </a:pPr>
-            <a:r>
-              <a:rPr lang="ru-RU" sz="2400" dirty="0">
-                <a:latin typeface="Times New Roman" pitchFamily="18" charset="0"/>
-                <a:cs typeface="Times New Roman" pitchFamily="18" charset="0"/>
-              </a:rPr>
-              <a:t>Определиться с библиотекой</a:t>
-            </a:r>
-          </a:p>
-          <a:p>
-            <a:pPr>
-              <a:buFont typeface="Arial" pitchFamily="34" charset="0"/>
-              <a:buChar char="•"/>
-            </a:pPr>
-            <a:r>
-              <a:rPr lang="ru-RU" sz="2400" dirty="0">
-                <a:latin typeface="Times New Roman" pitchFamily="18" charset="0"/>
-                <a:cs typeface="Times New Roman" pitchFamily="18" charset="0"/>
-              </a:rPr>
-              <a:t>Сделать концепцию (модель) игры</a:t>
-            </a:r>
-          </a:p>
-          <a:p>
-            <a:pPr>
-              <a:buFont typeface="Arial" pitchFamily="34" charset="0"/>
-              <a:buChar char="•"/>
-            </a:pPr>
-            <a:r>
-              <a:rPr lang="ru-RU" sz="2400" dirty="0">
-                <a:latin typeface="Times New Roman" pitchFamily="18" charset="0"/>
-                <a:cs typeface="Times New Roman" pitchFamily="18" charset="0"/>
-              </a:rPr>
-              <a:t>Написать сюжет</a:t>
-            </a:r>
-          </a:p>
-          <a:p>
-            <a:pPr>
-              <a:buFont typeface="Arial" pitchFamily="34" charset="0"/>
-              <a:buChar char="•"/>
-            </a:pPr>
-            <a:r>
-              <a:rPr lang="ru-RU" sz="2400" dirty="0">
-                <a:latin typeface="Times New Roman" pitchFamily="18" charset="0"/>
-                <a:cs typeface="Times New Roman" pitchFamily="18" charset="0"/>
-              </a:rPr>
-              <a:t>Найти картинки (спрайты), нарисовать анимации</a:t>
-            </a:r>
-          </a:p>
-          <a:p>
-            <a:pPr>
-              <a:buFont typeface="Arial" pitchFamily="34" charset="0"/>
-              <a:buChar char="•"/>
-            </a:pPr>
-            <a:r>
-              <a:rPr lang="ru-RU" sz="2400" dirty="0">
-                <a:latin typeface="Times New Roman" pitchFamily="18" charset="0"/>
-                <a:cs typeface="Times New Roman" pitchFamily="18" charset="0"/>
-              </a:rPr>
-              <a:t>Начать делать проект, изучив библиотеку</a:t>
-            </a:r>
-          </a:p>
-          <a:p>
-            <a:pPr>
-              <a:buFont typeface="Arial" pitchFamily="34" charset="0"/>
-              <a:buChar char="•"/>
-            </a:pPr>
-            <a:r>
-              <a:rPr lang="ru-RU" sz="2400" dirty="0">
-                <a:latin typeface="Times New Roman" pitchFamily="18" charset="0"/>
-                <a:cs typeface="Times New Roman" pitchFamily="18" charset="0"/>
-              </a:rPr>
-              <a:t>Тестирование и отладка проекта</a:t>
-            </a:r>
-          </a:p>
-        </p:txBody>
-      </p:sp>
+        </p:spPr>
+      </p:pic>
     </p:spTree>
+    <p:extLst>
+      <p:ext uri="{BB962C8B-B14F-4D97-AF65-F5344CB8AC3E}">
+        <p14:creationId xmlns:p14="http://schemas.microsoft.com/office/powerpoint/2010/main" val="3998045505"/>
+      </p:ext>
+    </p:extLst>
   </p:cSld>
   <p:clrMapOvr>
     <a:masterClrMapping/>
@@ -4663,7 +4510,7 @@
         <p:spPr>
           <a:xfrm>
             <a:off x="5142332" y="1662807"/>
-            <a:ext cx="1603324" cy="461665"/>
+            <a:ext cx="1680268" cy="461665"/>
           </a:xfrm>
           <a:prstGeom prst="rect">
             <a:avLst/>
@@ -4685,7 +4532,21 @@
                 <a:latin typeface="Times New Roman" panose="02020603050405020304" pitchFamily="18" charset="0"/>
                 <a:cs typeface="Times New Roman" panose="02020603050405020304" pitchFamily="18" charset="0"/>
               </a:rPr>
-              <a:t>SoulKnight</a:t>
+              <a:t>Soul</a:t>
+            </a:r>
+            <a:r>
+              <a:rPr lang="ru-RU" sz="2400" dirty="0">
+                <a:latin typeface="Times New Roman" panose="02020603050405020304" pitchFamily="18" charset="0"/>
+                <a:cs typeface="Times New Roman" panose="02020603050405020304" pitchFamily="18" charset="0"/>
+              </a:rPr>
+              <a:t> </a:t>
+            </a:r>
+            <a:r>
+              <a:rPr lang="en-US" sz="2400" dirty="0">
+                <a:latin typeface="Times New Roman" panose="02020603050405020304" pitchFamily="18" charset="0"/>
+                <a:cs typeface="Times New Roman" panose="02020603050405020304" pitchFamily="18" charset="0"/>
+              </a:rPr>
+              <a:t>Knight</a:t>
             </a:r>
             <a:endParaRPr lang="ru-RU" sz="2400" dirty="0">
               <a:latin typeface="Times New Roman" panose="02020603050405020304" pitchFamily="18" charset="0"/>
@@ -4833,8 +4694,8 @@
         </p:nvSpPr>
         <p:spPr>
           <a:xfrm>
-            <a:off x="1835696" y="3933056"/>
-            <a:ext cx="2771800" cy="1224136"/>
+            <a:off x="1902766" y="3891122"/>
+            <a:ext cx="2771800" cy="1191816"/>
           </a:xfrm>
           <a:prstGeom prst="roundRect">
             <a:avLst/>
@@ -4912,8 +4773,8 @@
         </p:nvSpPr>
         <p:spPr>
           <a:xfrm>
-            <a:off x="6300192" y="1844824"/>
-            <a:ext cx="2725037" cy="1224136"/>
+            <a:off x="6272809" y="2173548"/>
+            <a:ext cx="2691680" cy="1195021"/>
           </a:xfrm>
           <a:prstGeom prst="roundRect">
             <a:avLst/>
@@ -4948,7 +4809,7 @@
         </p:nvSpPr>
         <p:spPr>
           <a:xfrm>
-            <a:off x="6588224" y="5445224"/>
+            <a:off x="6336444" y="3903939"/>
             <a:ext cx="2376264" cy="1224136"/>
           </a:xfrm>
           <a:prstGeom prst="roundRect">
@@ -4993,8 +4854,8 @@
         </p:blipFill>
         <p:spPr bwMode="auto">
           <a:xfrm>
-            <a:off x="611560" y="3933056"/>
-            <a:ext cx="1219200" cy="1219200"/>
+            <a:off x="647314" y="3896804"/>
+            <a:ext cx="1255452" cy="1255452"/>
           </a:xfrm>
           <a:prstGeom prst="roundRect">
             <a:avLst/>
@@ -5023,8 +4884,8 @@
         </p:blipFill>
         <p:spPr bwMode="auto">
           <a:xfrm>
-            <a:off x="5076056" y="1844824"/>
-            <a:ext cx="1219200" cy="1219200"/>
+            <a:off x="5080992" y="2173548"/>
+            <a:ext cx="1191816" cy="1191816"/>
           </a:xfrm>
           <a:prstGeom prst="roundRect">
             <a:avLst/>
@@ -5053,8 +4914,8 @@
         </p:blipFill>
         <p:spPr bwMode="auto">
           <a:xfrm>
-            <a:off x="5364088" y="5445224"/>
-            <a:ext cx="1219200" cy="1219200"/>
+            <a:off x="5075310" y="3885440"/>
+            <a:ext cx="1261134" cy="1261134"/>
           </a:xfrm>
           <a:prstGeom prst="roundRect">
             <a:avLst/>
@@ -5067,6 +4928,97 @@
           <a:ln>
             <a:noFill/>
           </a:ln>
+        </p:spPr>
+      </p:pic>
+      <p:sp>
+        <p:nvSpPr>
+          <p:cNvPr id="2" name="TextBox 1">
+            <a:extLst>
+              <a:ext uri="{FF2B5EF4-FFF2-40B4-BE49-F238E27FC236}">
+                <a16:creationId xmlns:a16="http://schemas.microsoft.com/office/drawing/2014/main" id="{6C260EE1-5398-126D-0F67-B8ADA053CB76}"/>
+              </a:ext>
+            </a:extLst>
+          </p:cNvPr>
+          <p:cNvSpPr txBox="1"/>
+          <p:nvPr/>
+        </p:nvSpPr>
+        <p:spPr>
+          <a:xfrm>
+            <a:off x="1902766" y="2173548"/>
+            <a:ext cx="2771800" cy="1191816"/>
+          </a:xfrm>
+          <a:prstGeom prst="roundRect">
+            <a:avLst/>
+          </a:prstGeom>
+          <a:solidFill>
+            <a:schemeClr val="bg1">
+              <a:alpha val="55000"/>
+            </a:schemeClr>
+          </a:solidFill>
+        </p:spPr>
+        <p:txBody>
+          <a:bodyPr wrap="square" rtlCol="0">
+            <a:spAutoFit/>
+          </a:bodyPr>
+          <a:lstStyle/>
+          <a:p>
+            <a:r>
+              <a:rPr lang="en-US" sz="3200" dirty="0" err="1">
+                <a:latin typeface="Times New Roman" pitchFamily="18" charset="0"/>
+                <a:cs typeface="Times New Roman" pitchFamily="18" charset="0"/>
+              </a:rPr>
+              <a:t>Rouglike</a:t>
+            </a:r>
+            <a:endParaRPr lang="en-US" sz="3200" dirty="0">
+              <a:latin typeface="Times New Roman" pitchFamily="18" charset="0"/>
+              <a:cs typeface="Times New Roman" pitchFamily="18" charset="0"/>
+            </a:endParaRPr>
+          </a:p>
+          <a:p>
+            <a:r>
+              <a:rPr lang="ru-RU" sz="3200" dirty="0">
+                <a:latin typeface="Times New Roman" pitchFamily="18" charset="0"/>
+                <a:cs typeface="Times New Roman" pitchFamily="18" charset="0"/>
+              </a:rPr>
+              <a:t>«бей и беги»</a:t>
+            </a:r>
+          </a:p>
+        </p:txBody>
+      </p:sp>
+      <p:pic>
+        <p:nvPicPr>
+          <p:cNvPr id="3" name="Picture 2" descr="C:\Users\TEMP.LAPTOP-S6CGT9HB\Downloads\dungeon_icon_199271.png">
+            <a:extLst>
+              <a:ext uri="{FF2B5EF4-FFF2-40B4-BE49-F238E27FC236}">
+                <a16:creationId xmlns:a16="http://schemas.microsoft.com/office/drawing/2014/main" id="{8415A4AE-B474-2A41-38B7-5D4CBC39C0BA}"/>
+              </a:ext>
+            </a:extLst>
+          </p:cNvPr>
+          <p:cNvPicPr>
+            <a:picLocks noChangeAspect="1" noChangeArrowheads="1"/>
+          </p:cNvPicPr>
+          <p:nvPr/>
+        </p:nvPicPr>
+        <p:blipFill>
+          <a:blip r:embed="rId5" cstate="print"/>
+          <a:srcRect/>
+          <a:stretch>
+            <a:fillRect/>
+          </a:stretch>
+        </p:blipFill>
+        <p:spPr bwMode="auto">
+          <a:xfrm>
+            <a:off x="710952" y="2179230"/>
+            <a:ext cx="1191816" cy="1191816"/>
+          </a:xfrm>
+          <a:prstGeom prst="roundRect">
+            <a:avLst/>
+          </a:prstGeom>
+          <a:solidFill>
+            <a:schemeClr val="bg1">
+              <a:alpha val="52000"/>
+            </a:schemeClr>
+          </a:solidFill>
         </p:spPr>
       </p:pic>
     </p:spTree>
@@ -5117,22 +5069,20 @@
         </p:nvSpPr>
         <p:spPr>
           <a:xfrm>
-            <a:off x="1835696" y="260648"/>
-            <a:ext cx="5554960" cy="1143000"/>
+            <a:off x="2267744" y="476672"/>
+            <a:ext cx="4474840" cy="940966"/>
           </a:xfrm>
           <a:prstGeom prst="roundRect">
             <a:avLst/>
           </a:prstGeom>
           <a:solidFill>
             <a:schemeClr val="bg1">
-              <a:alpha val="67000"/>
+              <a:alpha val="54000"/>
             </a:schemeClr>
           </a:solidFill>
         </p:spPr>
         <p:txBody>
-          <a:bodyPr>
-            <a:normAutofit fontScale="90000"/>
-          </a:bodyPr>
+          <a:bodyPr/>
           <a:lstStyle/>
           <a:p>
             <a:r>
@@ -5140,147 +5090,46 @@
                 <a:latin typeface="Times New Roman" pitchFamily="18" charset="0"/>
                 <a:cs typeface="Times New Roman" pitchFamily="18" charset="0"/>
               </a:rPr>
-              <a:t>Внутриигровой процесс </a:t>
-            </a:r>
-          </a:p>
-        </p:txBody>
-      </p:sp>
-      <p:sp>
-        <p:nvSpPr>
-          <p:cNvPr id="4" name="TextBox 3"/>
-          <p:cNvSpPr txBox="1"/>
-          <p:nvPr/>
-        </p:nvSpPr>
-        <p:spPr>
-          <a:xfrm>
-            <a:off x="2051720" y="2708920"/>
-            <a:ext cx="2303233" cy="783193"/>
-          </a:xfrm>
-          <a:prstGeom prst="roundRect">
-            <a:avLst/>
-          </a:prstGeom>
-          <a:solidFill>
-            <a:schemeClr val="bg1">
-              <a:alpha val="55000"/>
-            </a:schemeClr>
-          </a:solidFill>
-        </p:spPr>
-        <p:txBody>
-          <a:bodyPr wrap="square" rtlCol="0">
-            <a:spAutoFit/>
-          </a:bodyPr>
-          <a:lstStyle/>
-          <a:p>
-            <a:r>
-              <a:rPr lang="en-US" sz="4000" dirty="0">
-                <a:latin typeface="Times New Roman" pitchFamily="18" charset="0"/>
-                <a:cs typeface="Times New Roman" pitchFamily="18" charset="0"/>
-              </a:rPr>
-              <a:t>Rouglike</a:t>
-            </a:r>
-            <a:endParaRPr lang="ru-RU" sz="4000" dirty="0">
-              <a:latin typeface="Times New Roman" pitchFamily="18" charset="0"/>
-              <a:cs typeface="Times New Roman" pitchFamily="18" charset="0"/>
-            </a:endParaRPr>
+              <a:t>Меню</a:t>
+            </a:r>
           </a:p>
         </p:txBody>
       </p:sp>
       <p:pic>
         <p:nvPicPr>
-          <p:cNvPr id="2050" name="Picture 2" descr="C:\Users\TEMP.LAPTOP-S6CGT9HB\Downloads\dungeon_icon_199271.png"/>
+          <p:cNvPr id="5" name="Рисунок 4">
+            <a:extLst>
+              <a:ext uri="{FF2B5EF4-FFF2-40B4-BE49-F238E27FC236}">
+                <a16:creationId xmlns:a16="http://schemas.microsoft.com/office/drawing/2014/main" id="{26709FF5-D126-EEEA-2CC1-D7C01E54E5C9}"/>
+              </a:ext>
+            </a:extLst>
+          </p:cNvPr>
           <p:cNvPicPr>
-            <a:picLocks noChangeAspect="1" noChangeArrowheads="1"/>
+            <a:picLocks noChangeAspect="1"/>
           </p:cNvPicPr>
           <p:nvPr/>
         </p:nvPicPr>
         <p:blipFill>
-          <a:blip r:embed="rId2" cstate="print"/>
-          <a:srcRect/>
+          <a:blip r:embed="rId2"/>
           <a:stretch>
             <a:fillRect/>
           </a:stretch>
         </p:blipFill>
-        <p:spPr bwMode="auto">
-          <a:xfrm>
-            <a:off x="1259632" y="2708920"/>
-            <a:ext cx="792088" cy="792088"/>
-          </a:xfrm>
-          <a:prstGeom prst="roundRect">
+        <p:spPr>
+          <a:xfrm>
+            <a:off x="2243084" y="2492896"/>
+            <a:ext cx="4257632" cy="2975299"/>
+          </a:xfrm>
+          <a:prstGeom prst="rect">
             <a:avLst/>
           </a:prstGeom>
-          <a:solidFill>
-            <a:schemeClr val="bg1">
-              <a:alpha val="52000"/>
-            </a:schemeClr>
-          </a:solidFill>
+          <a:ln w="38100">
+            <a:solidFill>
+              <a:schemeClr val="bg1"/>
+            </a:solidFill>
+          </a:ln>
         </p:spPr>
       </p:pic>
-      <p:pic>
-        <p:nvPicPr>
-          <p:cNvPr id="2051" name="Picture 3" descr="C:\Users\TEMP.LAPTOP-S6CGT9HB\Downloads\game_sword_weapon_attack_war_icon_133752.png"/>
-          <p:cNvPicPr>
-            <a:picLocks noChangeAspect="1" noChangeArrowheads="1"/>
-          </p:cNvPicPr>
-          <p:nvPr/>
-        </p:nvPicPr>
-        <p:blipFill>
-          <a:blip r:embed="rId3" cstate="print"/>
-          <a:srcRect/>
-          <a:stretch>
-            <a:fillRect/>
-          </a:stretch>
-        </p:blipFill>
-        <p:spPr bwMode="auto">
-          <a:xfrm>
-            <a:off x="4283968" y="4581128"/>
-            <a:ext cx="792088" cy="792088"/>
-          </a:xfrm>
-          <a:prstGeom prst="roundRect">
-            <a:avLst/>
-          </a:prstGeom>
-          <a:solidFill>
-            <a:schemeClr val="bg1">
-              <a:alpha val="42000"/>
-            </a:schemeClr>
-          </a:solidFill>
-        </p:spPr>
-      </p:pic>
-      <p:sp>
-        <p:nvSpPr>
-          <p:cNvPr id="7" name="TextBox 6"/>
-          <p:cNvSpPr txBox="1"/>
-          <p:nvPr/>
-        </p:nvSpPr>
-        <p:spPr>
-          <a:xfrm>
-            <a:off x="5076056" y="4581128"/>
-            <a:ext cx="2592288" cy="783193"/>
-          </a:xfrm>
-          <a:prstGeom prst="roundRect">
-            <a:avLst/>
-          </a:prstGeom>
-          <a:solidFill>
-            <a:schemeClr val="bg1">
-              <a:alpha val="50000"/>
-            </a:schemeClr>
-          </a:solidFill>
-        </p:spPr>
-        <p:txBody>
-          <a:bodyPr wrap="square" rtlCol="0">
-            <a:spAutoFit/>
-          </a:bodyPr>
-          <a:lstStyle/>
-          <a:p>
-            <a:r>
-              <a:rPr lang="ru-RU" sz="4000" dirty="0">
-                <a:latin typeface="Times New Roman" pitchFamily="18" charset="0"/>
-                <a:cs typeface="Times New Roman" pitchFamily="18" charset="0"/>
-              </a:rPr>
-              <a:t>Бей и беги</a:t>
-            </a:r>
-          </a:p>
-        </p:txBody>
-      </p:sp>
     </p:spTree>
   </p:cSld>
   <p:clrMapOvr>
@@ -5329,15 +5178,15 @@
         </p:nvSpPr>
         <p:spPr>
           <a:xfrm>
-            <a:off x="2267744" y="476672"/>
-            <a:ext cx="4474840" cy="940966"/>
+            <a:off x="2339752" y="332656"/>
+            <a:ext cx="4546848" cy="1084982"/>
           </a:xfrm>
           <a:prstGeom prst="roundRect">
             <a:avLst/>
           </a:prstGeom>
           <a:solidFill>
             <a:schemeClr val="bg1">
-              <a:alpha val="54000"/>
+              <a:alpha val="55000"/>
             </a:schemeClr>
           </a:solidFill>
         </p:spPr>
@@ -5350,8 +5199,157 @@
                 <a:latin typeface="Times New Roman" pitchFamily="18" charset="0"/>
                 <a:cs typeface="Times New Roman" pitchFamily="18" charset="0"/>
               </a:rPr>
-              <a:t>Меню</a:t>
-            </a:r>
+              <a:t>Движение</a:t>
+            </a:r>
+          </a:p>
+        </p:txBody>
+      </p:sp>
+      <p:pic>
+        <p:nvPicPr>
+          <p:cNvPr id="3077" name="Picture 5" descr="C:\Users\1\Desktop\игры\Cyber_ravage\code\test\images\char\right1.png"/>
+          <p:cNvPicPr>
+            <a:picLocks noChangeAspect="1" noChangeArrowheads="1"/>
+          </p:cNvPicPr>
+          <p:nvPr/>
+        </p:nvPicPr>
+        <p:blipFill>
+          <a:blip r:embed="rId2" cstate="print"/>
+          <a:srcRect/>
+          <a:stretch>
+            <a:fillRect/>
+          </a:stretch>
+        </p:blipFill>
+        <p:spPr bwMode="auto">
+          <a:xfrm>
+            <a:off x="3563888" y="4077072"/>
+            <a:ext cx="1440160" cy="2194530"/>
+          </a:xfrm>
+          <a:prstGeom prst="rect">
+            <a:avLst/>
+          </a:prstGeom>
+          <a:solidFill>
+            <a:schemeClr val="bg1">
+              <a:alpha val="22000"/>
+            </a:schemeClr>
+          </a:solidFill>
+          <a:ln w="22225">
+            <a:solidFill>
+              <a:schemeClr val="accent5">
+                <a:lumMod val="75000"/>
+              </a:schemeClr>
+            </a:solidFill>
+          </a:ln>
+        </p:spPr>
+      </p:pic>
+      <p:sp>
+        <p:nvSpPr>
+          <p:cNvPr id="8" name="TextBox 7"/>
+          <p:cNvSpPr txBox="1"/>
+          <p:nvPr/>
+        </p:nvSpPr>
+        <p:spPr>
+          <a:xfrm>
+            <a:off x="774861" y="1772816"/>
+            <a:ext cx="1024915" cy="510778"/>
+          </a:xfrm>
+          <a:prstGeom prst="roundRect">
+            <a:avLst/>
+          </a:prstGeom>
+          <a:solidFill>
+            <a:schemeClr val="bg1">
+              <a:alpha val="55000"/>
+            </a:schemeClr>
+          </a:solidFill>
+        </p:spPr>
+        <p:txBody>
+          <a:bodyPr wrap="none" rtlCol="0">
+            <a:spAutoFit/>
+          </a:bodyPr>
+          <a:lstStyle/>
+          <a:p>
+            <a:r>
+              <a:rPr lang="ru-RU" sz="2400" dirty="0">
+                <a:latin typeface="Times New Roman" pitchFamily="18" charset="0"/>
+                <a:cs typeface="Times New Roman" pitchFamily="18" charset="0"/>
+              </a:rPr>
+              <a:t>Влево</a:t>
+            </a:r>
+          </a:p>
+        </p:txBody>
+      </p:sp>
+      <p:sp>
+        <p:nvSpPr>
+          <p:cNvPr id="9" name="TextBox 8"/>
+          <p:cNvSpPr txBox="1"/>
+          <p:nvPr/>
+        </p:nvSpPr>
+        <p:spPr>
+          <a:xfrm>
+            <a:off x="7175449" y="1772816"/>
+            <a:ext cx="1186956" cy="510778"/>
+          </a:xfrm>
+          <a:prstGeom prst="roundRect">
+            <a:avLst/>
+          </a:prstGeom>
+          <a:solidFill>
+            <a:schemeClr val="bg1">
+              <a:alpha val="55000"/>
+            </a:schemeClr>
+          </a:solidFill>
+        </p:spPr>
+        <p:txBody>
+          <a:bodyPr wrap="none" rtlCol="0">
+            <a:spAutoFit/>
+          </a:bodyPr>
+          <a:lstStyle/>
+          <a:p>
+            <a:r>
+              <a:rPr lang="ru-RU" sz="2400" dirty="0">
+                <a:latin typeface="Times New Roman" pitchFamily="18" charset="0"/>
+                <a:cs typeface="Times New Roman" pitchFamily="18" charset="0"/>
+              </a:rPr>
+              <a:t>Вправо</a:t>
+            </a:r>
+          </a:p>
+        </p:txBody>
+      </p:sp>
+      <p:sp>
+        <p:nvSpPr>
+          <p:cNvPr id="10" name="TextBox 9"/>
+          <p:cNvSpPr txBox="1"/>
+          <p:nvPr/>
+        </p:nvSpPr>
+        <p:spPr>
+          <a:xfrm>
+            <a:off x="3859793" y="3526252"/>
+            <a:ext cx="848350" cy="510778"/>
+          </a:xfrm>
+          <a:prstGeom prst="roundRect">
+            <a:avLst/>
+          </a:prstGeom>
+          <a:solidFill>
+            <a:schemeClr val="bg1">
+              <a:alpha val="55000"/>
+            </a:schemeClr>
+          </a:solidFill>
+        </p:spPr>
+        <p:txBody>
+          <a:bodyPr wrap="none" rtlCol="0">
+            <a:spAutoFit/>
+          </a:bodyPr>
+          <a:lstStyle/>
+          <a:p>
+            <a:r>
+              <a:rPr lang="en-US" sz="2400" dirty="0">
+                <a:latin typeface="Times New Roman" pitchFamily="18" charset="0"/>
+                <a:cs typeface="Times New Roman" pitchFamily="18" charset="0"/>
+              </a:rPr>
+              <a:t>AFK</a:t>
+            </a:r>
+            <a:endParaRPr lang="ru-RU" sz="2400" dirty="0">
+              <a:latin typeface="Times New Roman" pitchFamily="18" charset="0"/>
+              <a:cs typeface="Times New Roman" pitchFamily="18" charset="0"/>
+            </a:endParaRPr>
           </a:p>
         </p:txBody>
       </p:sp>
@@ -5360,7 +5358,7 @@
           <p:cNvPr id="5" name="Рисунок 4">
             <a:extLst>
               <a:ext uri="{FF2B5EF4-FFF2-40B4-BE49-F238E27FC236}">
-                <a16:creationId xmlns:a16="http://schemas.microsoft.com/office/drawing/2014/main" id="{26709FF5-D126-EEEA-2CC1-D7C01E54E5C9}"/>
+                <a16:creationId xmlns:a16="http://schemas.microsoft.com/office/drawing/2014/main" id="{A9512A8E-AF85-ACFB-6ED0-0E086E709B04}"/>
               </a:ext>
             </a:extLst>
           </p:cNvPr>
@@ -5370,20 +5368,67 @@
           <p:nvPr/>
         </p:nvPicPr>
         <p:blipFill>
-          <a:blip r:embed="rId2"/>
+          <a:blip r:embed="rId3">
+            <a:extLst>
+              <a:ext uri="{28A0092B-C50C-407E-A947-70E740481C1C}">
+                <a14:useLocalDpi xmlns:a14="http://schemas.microsoft.com/office/drawing/2010/main" val="0"/>
+              </a:ext>
+            </a:extLst>
+          </a:blip>
           <a:stretch>
             <a:fillRect/>
           </a:stretch>
         </p:blipFill>
         <p:spPr>
           <a:xfrm>
-            <a:off x="2243084" y="2492896"/>
-            <a:ext cx="4257632" cy="2975299"/>
+            <a:off x="6825952" y="2303569"/>
+            <a:ext cx="1885950" cy="2533650"/>
           </a:xfrm>
           <a:prstGeom prst="rect">
             <a:avLst/>
           </a:prstGeom>
-          <a:ln w="38100">
+          <a:ln w="22225">
+            <a:solidFill>
+              <a:schemeClr val="bg1"/>
+            </a:solidFill>
+          </a:ln>
+        </p:spPr>
+      </p:pic>
+      <p:pic>
+        <p:nvPicPr>
+          <p:cNvPr id="7" name="Рисунок 6">
+            <a:extLst>
+              <a:ext uri="{FF2B5EF4-FFF2-40B4-BE49-F238E27FC236}">
+                <a16:creationId xmlns:a16="http://schemas.microsoft.com/office/drawing/2014/main" id="{CA9B008F-1EDF-0456-4EF9-5328C4FAA327}"/>
+              </a:ext>
+            </a:extLst>
+          </p:cNvPr>
+          <p:cNvPicPr>
+            <a:picLocks noChangeAspect="1"/>
+          </p:cNvPicPr>
+          <p:nvPr/>
+        </p:nvPicPr>
+        <p:blipFill>
+          <a:blip r:embed="rId4">
+            <a:extLst>
+              <a:ext uri="{28A0092B-C50C-407E-A947-70E740481C1C}">
+                <a14:useLocalDpi xmlns:a14="http://schemas.microsoft.com/office/drawing/2010/main" val="0"/>
+              </a:ext>
+            </a:extLst>
+          </a:blip>
+          <a:stretch>
+            <a:fillRect/>
+          </a:stretch>
+        </p:blipFill>
+        <p:spPr>
+          <a:xfrm>
+            <a:off x="344344" y="2307762"/>
+            <a:ext cx="1885950" cy="2533650"/>
+          </a:xfrm>
+          <a:prstGeom prst="rect">
+            <a:avLst/>
+          </a:prstGeom>
+          <a:ln w="22225">
             <a:solidFill>
               <a:schemeClr val="bg1"/>
             </a:solidFill>
@@ -5438,15 +5483,15 @@
         </p:nvSpPr>
         <p:spPr>
           <a:xfrm>
-            <a:off x="2339752" y="332656"/>
-            <a:ext cx="4546848" cy="1084982"/>
+            <a:off x="755576" y="2400716"/>
+            <a:ext cx="3600400" cy="1143000"/>
           </a:xfrm>
           <a:prstGeom prst="roundRect">
             <a:avLst/>
           </a:prstGeom>
           <a:solidFill>
             <a:schemeClr val="bg1">
-              <a:alpha val="55000"/>
+              <a:alpha val="72000"/>
             </a:schemeClr>
           </a:solidFill>
         </p:spPr>
@@ -5459,166 +5504,17 @@
                 <a:latin typeface="Times New Roman" pitchFamily="18" charset="0"/>
                 <a:cs typeface="Times New Roman" pitchFamily="18" charset="0"/>
               </a:rPr>
-              <a:t>Движение</a:t>
+              <a:t>Прыжок</a:t>
             </a:r>
           </a:p>
         </p:txBody>
       </p:sp>
       <p:pic>
         <p:nvPicPr>
-          <p:cNvPr id="3077" name="Picture 5" descr="C:\Users\1\Desktop\игры\Cyber_ravage\code\test\images\char\right1.png"/>
-          <p:cNvPicPr>
-            <a:picLocks noChangeAspect="1" noChangeArrowheads="1"/>
-          </p:cNvPicPr>
-          <p:nvPr/>
-        </p:nvPicPr>
-        <p:blipFill>
-          <a:blip r:embed="rId2" cstate="print"/>
-          <a:srcRect/>
-          <a:stretch>
-            <a:fillRect/>
-          </a:stretch>
-        </p:blipFill>
-        <p:spPr bwMode="auto">
-          <a:xfrm>
-            <a:off x="3563888" y="4077072"/>
-            <a:ext cx="1440160" cy="2194530"/>
-          </a:xfrm>
-          <a:prstGeom prst="rect">
-            <a:avLst/>
-          </a:prstGeom>
-          <a:solidFill>
-            <a:schemeClr val="bg1">
-              <a:alpha val="22000"/>
-            </a:schemeClr>
-          </a:solidFill>
-          <a:ln w="22225">
-            <a:solidFill>
-              <a:schemeClr val="accent5">
-                <a:lumMod val="75000"/>
-              </a:schemeClr>
-            </a:solidFill>
-          </a:ln>
-        </p:spPr>
-      </p:pic>
-      <p:sp>
-        <p:nvSpPr>
-          <p:cNvPr id="8" name="TextBox 7"/>
-          <p:cNvSpPr txBox="1"/>
-          <p:nvPr/>
-        </p:nvSpPr>
-        <p:spPr>
-          <a:xfrm>
-            <a:off x="774861" y="1772816"/>
-            <a:ext cx="1024915" cy="510778"/>
-          </a:xfrm>
-          <a:prstGeom prst="roundRect">
-            <a:avLst/>
-          </a:prstGeom>
-          <a:solidFill>
-            <a:schemeClr val="bg1">
-              <a:alpha val="55000"/>
-            </a:schemeClr>
-          </a:solidFill>
-        </p:spPr>
-        <p:txBody>
-          <a:bodyPr wrap="none" rtlCol="0">
-            <a:spAutoFit/>
-          </a:bodyPr>
-          <a:lstStyle/>
-          <a:p>
-            <a:r>
-              <a:rPr lang="ru-RU" sz="2400" dirty="0">
-                <a:latin typeface="Times New Roman" pitchFamily="18" charset="0"/>
-                <a:cs typeface="Times New Roman" pitchFamily="18" charset="0"/>
-              </a:rPr>
-              <a:t>Влево</a:t>
-            </a:r>
-          </a:p>
-        </p:txBody>
-      </p:sp>
-      <p:sp>
-        <p:nvSpPr>
-          <p:cNvPr id="9" name="TextBox 8"/>
-          <p:cNvSpPr txBox="1"/>
-          <p:nvPr/>
-        </p:nvSpPr>
-        <p:spPr>
-          <a:xfrm>
-            <a:off x="7175449" y="1772816"/>
-            <a:ext cx="1186956" cy="510778"/>
-          </a:xfrm>
-          <a:prstGeom prst="roundRect">
-            <a:avLst/>
-          </a:prstGeom>
-          <a:solidFill>
-            <a:schemeClr val="bg1">
-              <a:alpha val="55000"/>
-            </a:schemeClr>
-          </a:solidFill>
-        </p:spPr>
-        <p:txBody>
-          <a:bodyPr wrap="none" rtlCol="0">
-            <a:spAutoFit/>
-          </a:bodyPr>
-          <a:lstStyle/>
-          <a:p>
-            <a:r>
-              <a:rPr lang="ru-RU" sz="2400" dirty="0">
-                <a:latin typeface="Times New Roman" pitchFamily="18" charset="0"/>
-                <a:cs typeface="Times New Roman" pitchFamily="18" charset="0"/>
-              </a:rPr>
-              <a:t>Вправо</a:t>
-            </a:r>
-          </a:p>
-        </p:txBody>
-      </p:sp>
-      <p:sp>
-        <p:nvSpPr>
-          <p:cNvPr id="10" name="TextBox 9"/>
-          <p:cNvSpPr txBox="1"/>
-          <p:nvPr/>
-        </p:nvSpPr>
-        <p:spPr>
-          <a:xfrm>
-            <a:off x="3859793" y="3526252"/>
-            <a:ext cx="848350" cy="510778"/>
-          </a:xfrm>
-          <a:prstGeom prst="roundRect">
-            <a:avLst/>
-          </a:prstGeom>
-          <a:solidFill>
-            <a:schemeClr val="bg1">
-              <a:alpha val="55000"/>
-            </a:schemeClr>
-          </a:solidFill>
-        </p:spPr>
-        <p:txBody>
-          <a:bodyPr wrap="none" rtlCol="0">
-            <a:spAutoFit/>
-          </a:bodyPr>
-          <a:lstStyle/>
-          <a:p>
-            <a:r>
-              <a:rPr lang="en-US" sz="2400" dirty="0">
-                <a:latin typeface="Times New Roman" pitchFamily="18" charset="0"/>
-                <a:cs typeface="Times New Roman" pitchFamily="18" charset="0"/>
-              </a:rPr>
-              <a:t>AFK</a:t>
-            </a:r>
-            <a:endParaRPr lang="ru-RU" sz="2400" dirty="0">
-              <a:latin typeface="Times New Roman" pitchFamily="18" charset="0"/>
-              <a:cs typeface="Times New Roman" pitchFamily="18" charset="0"/>
-            </a:endParaRPr>
-          </a:p>
-        </p:txBody>
-      </p:sp>
-      <p:pic>
-        <p:nvPicPr>
-          <p:cNvPr id="5" name="Рисунок 4">
+          <p:cNvPr id="4" name="Рисунок 3">
             <a:extLst>
               <a:ext uri="{FF2B5EF4-FFF2-40B4-BE49-F238E27FC236}">
-                <a16:creationId xmlns:a16="http://schemas.microsoft.com/office/drawing/2014/main" id="{A9512A8E-AF85-ACFB-6ED0-0E086E709B04}"/>
+                <a16:creationId xmlns:a16="http://schemas.microsoft.com/office/drawing/2014/main" id="{066B1CD7-56E2-E36A-659F-53F3462A44D2}"/>
               </a:ext>
             </a:extLst>
           </p:cNvPr>
@@ -5628,7 +5524,7 @@
           <p:nvPr/>
         </p:nvPicPr>
         <p:blipFill>
-          <a:blip r:embed="rId3">
+          <a:blip r:embed="rId2">
             <a:extLst>
               <a:ext uri="{28A0092B-C50C-407E-A947-70E740481C1C}">
                 <a14:useLocalDpi xmlns:a14="http://schemas.microsoft.com/office/drawing/2010/main" val="0"/>
@@ -5641,54 +5537,13 @@
         </p:blipFill>
         <p:spPr>
           <a:xfrm>
-            <a:off x="6825952" y="2303569"/>
-            <a:ext cx="1885950" cy="2533650"/>
+            <a:off x="5364088" y="698862"/>
+            <a:ext cx="3276600" cy="5810250"/>
           </a:xfrm>
           <a:prstGeom prst="rect">
             <a:avLst/>
           </a:prstGeom>
-          <a:ln w="22225">
-            <a:solidFill>
-              <a:schemeClr val="bg1"/>
-            </a:solidFill>
-          </a:ln>
-        </p:spPr>
-      </p:pic>
-      <p:pic>
-        <p:nvPicPr>
-          <p:cNvPr id="7" name="Рисунок 6">
-            <a:extLst>
-              <a:ext uri="{FF2B5EF4-FFF2-40B4-BE49-F238E27FC236}">
-                <a16:creationId xmlns:a16="http://schemas.microsoft.com/office/drawing/2014/main" id="{CA9B008F-1EDF-0456-4EF9-5328C4FAA327}"/>
-              </a:ext>
-            </a:extLst>
-          </p:cNvPr>
-          <p:cNvPicPr>
-            <a:picLocks noChangeAspect="1"/>
-          </p:cNvPicPr>
-          <p:nvPr/>
-        </p:nvPicPr>
-        <p:blipFill>
-          <a:blip r:embed="rId4">
-            <a:extLst>
-              <a:ext uri="{28A0092B-C50C-407E-A947-70E740481C1C}">
-                <a14:useLocalDpi xmlns:a14="http://schemas.microsoft.com/office/drawing/2010/main" val="0"/>
-              </a:ext>
-            </a:extLst>
-          </a:blip>
-          <a:stretch>
-            <a:fillRect/>
-          </a:stretch>
-        </p:blipFill>
-        <p:spPr>
-          <a:xfrm>
-            <a:off x="344344" y="2307762"/>
-            <a:ext cx="1885950" cy="2533650"/>
-          </a:xfrm>
-          <a:prstGeom prst="rect">
-            <a:avLst/>
-          </a:prstGeom>
-          <a:ln w="22225">
+          <a:ln w="28575">
             <a:solidFill>
               <a:schemeClr val="bg1"/>
             </a:solidFill>
